--- a/Aula01.pptx
+++ b/Aula01.pptx
@@ -273,7 +273,7 @@
             <a:fld id="{4FC57188-328F-409D-ABFB-91E1B6C5CBEE}" type="datetimeFigureOut">
               <a:rPr lang="pt-BR" smtClean="0"/>
               <a:pPr/>
-              <a:t>27/10/2017</a:t>
+              <a:t>28/10/2017</a:t>
             </a:fld>
             <a:endParaRPr lang="pt-BR"/>
           </a:p>
@@ -716,7 +716,7 @@
             <a:fld id="{C1D1DBAD-5489-4EDB-8C36-EEBBA31CE2AB}" type="datetime1">
               <a:rPr lang="pt-BR" smtClean="0"/>
               <a:pPr/>
-              <a:t>27/10/2017</a:t>
+              <a:t>28/10/2017</a:t>
             </a:fld>
             <a:endParaRPr lang="pt-BR"/>
           </a:p>
@@ -883,7 +883,7 @@
             <a:fld id="{0648C560-E8F5-4568-98A8-F600B0D8A4F0}" type="datetime1">
               <a:rPr lang="pt-BR" smtClean="0"/>
               <a:pPr/>
-              <a:t>27/10/2017</a:t>
+              <a:t>28/10/2017</a:t>
             </a:fld>
             <a:endParaRPr lang="pt-BR"/>
           </a:p>
@@ -1060,7 +1060,7 @@
             <a:fld id="{A261A9BA-C3FF-4FA8-B5C7-51100E834B63}" type="datetime1">
               <a:rPr lang="pt-BR" smtClean="0"/>
               <a:pPr/>
-              <a:t>27/10/2017</a:t>
+              <a:t>28/10/2017</a:t>
             </a:fld>
             <a:endParaRPr lang="pt-BR"/>
           </a:p>
@@ -1227,7 +1227,7 @@
             <a:fld id="{20F63199-19BE-4345-8186-3FE6ABEF2D1B}" type="datetime1">
               <a:rPr lang="pt-BR" smtClean="0"/>
               <a:pPr/>
-              <a:t>27/10/2017</a:t>
+              <a:t>28/10/2017</a:t>
             </a:fld>
             <a:endParaRPr lang="pt-BR"/>
           </a:p>
@@ -1478,7 +1478,7 @@
             <a:fld id="{6267C653-65CA-451C-AA6B-70D341279164}" type="datetime1">
               <a:rPr lang="pt-BR" smtClean="0"/>
               <a:pPr/>
-              <a:t>27/10/2017</a:t>
+              <a:t>28/10/2017</a:t>
             </a:fld>
             <a:endParaRPr lang="pt-BR"/>
           </a:p>
@@ -1744,7 +1744,7 @@
             <a:fld id="{9F4FDE23-7AD0-441F-B625-D091A50DCADC}" type="datetime1">
               <a:rPr lang="pt-BR" smtClean="0"/>
               <a:pPr/>
-              <a:t>27/10/2017</a:t>
+              <a:t>28/10/2017</a:t>
             </a:fld>
             <a:endParaRPr lang="pt-BR"/>
           </a:p>
@@ -2124,7 +2124,7 @@
             <a:fld id="{CB13160C-8BAD-40DB-9688-531D9DF7DCD3}" type="datetime1">
               <a:rPr lang="pt-BR" smtClean="0"/>
               <a:pPr/>
-              <a:t>27/10/2017</a:t>
+              <a:t>28/10/2017</a:t>
             </a:fld>
             <a:endParaRPr lang="pt-BR"/>
           </a:p>
@@ -2276,7 +2276,7 @@
             <a:fld id="{26C0299F-E4FE-4103-85D5-56468E3D35D4}" type="datetime1">
               <a:rPr lang="pt-BR" smtClean="0"/>
               <a:pPr/>
-              <a:t>27/10/2017</a:t>
+              <a:t>28/10/2017</a:t>
             </a:fld>
             <a:endParaRPr lang="pt-BR"/>
           </a:p>
@@ -2368,7 +2368,7 @@
             <a:fld id="{655C7A29-7872-454C-8B8E-A38679A91596}" type="datetime1">
               <a:rPr lang="pt-BR" smtClean="0"/>
               <a:pPr/>
-              <a:t>27/10/2017</a:t>
+              <a:t>28/10/2017</a:t>
             </a:fld>
             <a:endParaRPr lang="pt-BR"/>
           </a:p>
@@ -2631,7 +2631,7 @@
             <a:fld id="{776E30D2-4101-44C7-B6AE-43D92E248AD0}" type="datetime1">
               <a:rPr lang="pt-BR" smtClean="0"/>
               <a:pPr/>
-              <a:t>27/10/2017</a:t>
+              <a:t>28/10/2017</a:t>
             </a:fld>
             <a:endParaRPr lang="pt-BR"/>
           </a:p>
@@ -2921,7 +2921,7 @@
             <a:fld id="{A9B7A1D8-8FEA-4761-ADA2-5B7EC3F0A03C}" type="datetime1">
               <a:rPr lang="pt-BR" smtClean="0"/>
               <a:pPr/>
-              <a:t>27/10/2017</a:t>
+              <a:t>28/10/2017</a:t>
             </a:fld>
             <a:endParaRPr lang="pt-BR"/>
           </a:p>
@@ -3694,7 +3694,7 @@
             <a:fld id="{D9F0E698-E276-4BE3-A092-15CA1BEF6177}" type="datetime1">
               <a:rPr lang="pt-BR" smtClean="0"/>
               <a:pPr/>
-              <a:t>27/10/2017</a:t>
+              <a:t>28/10/2017</a:t>
             </a:fld>
             <a:endParaRPr lang="pt-BR"/>
           </a:p>

--- a/Aula01.pptx
+++ b/Aula01.pptx
@@ -290,7 +290,7 @@
             <a:fld id="{4FC57188-328F-409D-ABFB-91E1B6C5CBEE}" type="datetimeFigureOut">
               <a:rPr lang="pt-BR" smtClean="0"/>
               <a:pPr/>
-              <a:t>03/11/2018</a:t>
+              <a:t>08/11/2018</a:t>
             </a:fld>
             <a:endParaRPr lang="pt-BR"/>
           </a:p>
@@ -732,7 +732,7 @@
             <a:fld id="{C1D1DBAD-5489-4EDB-8C36-EEBBA31CE2AB}" type="datetime1">
               <a:rPr lang="pt-BR" smtClean="0"/>
               <a:pPr/>
-              <a:t>03/11/2018</a:t>
+              <a:t>08/11/2018</a:t>
             </a:fld>
             <a:endParaRPr lang="pt-BR"/>
           </a:p>
@@ -899,7 +899,7 @@
             <a:fld id="{0648C560-E8F5-4568-98A8-F600B0D8A4F0}" type="datetime1">
               <a:rPr lang="pt-BR" smtClean="0"/>
               <a:pPr/>
-              <a:t>03/11/2018</a:t>
+              <a:t>08/11/2018</a:t>
             </a:fld>
             <a:endParaRPr lang="pt-BR"/>
           </a:p>
@@ -1076,7 +1076,7 @@
             <a:fld id="{A261A9BA-C3FF-4FA8-B5C7-51100E834B63}" type="datetime1">
               <a:rPr lang="pt-BR" smtClean="0"/>
               <a:pPr/>
-              <a:t>03/11/2018</a:t>
+              <a:t>08/11/2018</a:t>
             </a:fld>
             <a:endParaRPr lang="pt-BR"/>
           </a:p>
@@ -1243,7 +1243,7 @@
             <a:fld id="{20F63199-19BE-4345-8186-3FE6ABEF2D1B}" type="datetime1">
               <a:rPr lang="pt-BR" smtClean="0"/>
               <a:pPr/>
-              <a:t>03/11/2018</a:t>
+              <a:t>08/11/2018</a:t>
             </a:fld>
             <a:endParaRPr lang="pt-BR"/>
           </a:p>
@@ -1487,7 +1487,7 @@
             <a:fld id="{6267C653-65CA-451C-AA6B-70D341279164}" type="datetime1">
               <a:rPr lang="pt-BR" smtClean="0"/>
               <a:pPr/>
-              <a:t>03/11/2018</a:t>
+              <a:t>08/11/2018</a:t>
             </a:fld>
             <a:endParaRPr lang="pt-BR"/>
           </a:p>
@@ -1753,7 +1753,7 @@
             <a:fld id="{9F4FDE23-7AD0-441F-B625-D091A50DCADC}" type="datetime1">
               <a:rPr lang="pt-BR" smtClean="0"/>
               <a:pPr/>
-              <a:t>03/11/2018</a:t>
+              <a:t>08/11/2018</a:t>
             </a:fld>
             <a:endParaRPr lang="pt-BR"/>
           </a:p>
@@ -2133,7 +2133,7 @@
             <a:fld id="{CB13160C-8BAD-40DB-9688-531D9DF7DCD3}" type="datetime1">
               <a:rPr lang="pt-BR" smtClean="0"/>
               <a:pPr/>
-              <a:t>03/11/2018</a:t>
+              <a:t>08/11/2018</a:t>
             </a:fld>
             <a:endParaRPr lang="pt-BR"/>
           </a:p>
@@ -2285,7 +2285,7 @@
             <a:fld id="{26C0299F-E4FE-4103-85D5-56468E3D35D4}" type="datetime1">
               <a:rPr lang="pt-BR" smtClean="0"/>
               <a:pPr/>
-              <a:t>03/11/2018</a:t>
+              <a:t>08/11/2018</a:t>
             </a:fld>
             <a:endParaRPr lang="pt-BR"/>
           </a:p>
@@ -2377,7 +2377,7 @@
             <a:fld id="{655C7A29-7872-454C-8B8E-A38679A91596}" type="datetime1">
               <a:rPr lang="pt-BR" smtClean="0"/>
               <a:pPr/>
-              <a:t>03/11/2018</a:t>
+              <a:t>08/11/2018</a:t>
             </a:fld>
             <a:endParaRPr lang="pt-BR"/>
           </a:p>
@@ -2640,7 +2640,7 @@
             <a:fld id="{776E30D2-4101-44C7-B6AE-43D92E248AD0}" type="datetime1">
               <a:rPr lang="pt-BR" smtClean="0"/>
               <a:pPr/>
-              <a:t>03/11/2018</a:t>
+              <a:t>08/11/2018</a:t>
             </a:fld>
             <a:endParaRPr lang="pt-BR"/>
           </a:p>
@@ -2930,7 +2930,7 @@
             <a:fld id="{A9B7A1D8-8FEA-4761-ADA2-5B7EC3F0A03C}" type="datetime1">
               <a:rPr lang="pt-BR" smtClean="0"/>
               <a:pPr/>
-              <a:t>03/11/2018</a:t>
+              <a:t>08/11/2018</a:t>
             </a:fld>
             <a:endParaRPr lang="pt-BR"/>
           </a:p>
@@ -3703,7 +3703,7 @@
             <a:fld id="{D9F0E698-E276-4BE3-A092-15CA1BEF6177}" type="datetime1">
               <a:rPr lang="pt-BR" smtClean="0"/>
               <a:pPr/>
-              <a:t>03/11/2018</a:t>
+              <a:t>08/11/2018</a:t>
             </a:fld>
             <a:endParaRPr lang="pt-BR"/>
           </a:p>
@@ -10265,7 +10265,7 @@
           <a:p>
             <a:r>
               <a:rPr lang="pt-BR" dirty="0"/>
-              <a:t>Integridade;</a:t>
+              <a:t>Integridade (Restrições);</a:t>
             </a:r>
           </a:p>
           <a:p>

--- a/Aula01.pptx
+++ b/Aula01.pptx
@@ -4577,6 +4577,20 @@
             </a:r>
           </a:p>
           <a:p>
+            <a:pPr lvl="2"/>
+            <a:r>
+              <a:rPr lang="pt-BR" dirty="0"/>
+              <a:t>Operação indivisível;</a:t>
+            </a:r>
+          </a:p>
+          <a:p>
+            <a:pPr lvl="2"/>
+            <a:r>
+              <a:rPr lang="pt-BR" dirty="0"/>
+              <a:t>Tudo ou nada;</a:t>
+            </a:r>
+          </a:p>
+          <a:p>
             <a:pPr lvl="1"/>
             <a:r>
               <a:rPr lang="pt-BR" dirty="0"/>
@@ -5681,7 +5695,7 @@
         </p:blipFill>
         <p:spPr bwMode="auto">
           <a:xfrm>
-            <a:off x="1500166" y="2143116"/>
+            <a:off x="1500166" y="2157941"/>
             <a:ext cx="6858048" cy="4367403"/>
           </a:xfrm>
           <a:prstGeom prst="rect">
@@ -5784,15 +5798,57 @@
             <a:pPr lvl="1"/>
             <a:r>
               <a:rPr lang="pt-BR" dirty="0"/>
-              <a:t>XML;</a:t>
+              <a:t>XML:</a:t>
+            </a:r>
+          </a:p>
+          <a:p>
+            <a:pPr lvl="2"/>
+            <a:r>
+              <a:rPr lang="pt-BR" dirty="0"/>
+              <a:t>Linguagem de marcação utilizada para descrever dados e compartilha-los por meio da internet;</a:t>
             </a:r>
           </a:p>
           <a:p>
             <a:pPr lvl="1"/>
             <a:r>
               <a:rPr lang="pt-BR" dirty="0"/>
-              <a:t>JSON.</a:t>
-            </a:r>
+              <a:t>JSON (</a:t>
+            </a:r>
+            <a:r>
+              <a:rPr lang="pt-BR" dirty="0" err="1"/>
+              <a:t>Javascript</a:t>
+            </a:r>
+            <a:r>
+              <a:rPr lang="pt-BR" dirty="0"/>
+              <a:t> </a:t>
+            </a:r>
+            <a:r>
+              <a:rPr lang="pt-BR" dirty="0" err="1"/>
+              <a:t>Object</a:t>
+            </a:r>
+            <a:r>
+              <a:rPr lang="pt-BR" dirty="0"/>
+              <a:t> </a:t>
+            </a:r>
+            <a:r>
+              <a:rPr lang="pt-BR" dirty="0" err="1"/>
+              <a:t>Notation</a:t>
+            </a:r>
+            <a:r>
+              <a:rPr lang="pt-BR" dirty="0"/>
+              <a:t>):</a:t>
+            </a:r>
+          </a:p>
+          <a:p>
+            <a:pPr lvl="2"/>
+            <a:r>
+              <a:rPr lang="pt-BR" dirty="0"/>
+              <a:t>Formato compacto de texto para troca de dados.</a:t>
+            </a:r>
+          </a:p>
+          <a:p>
+            <a:pPr lvl="2"/>
+            <a:endParaRPr lang="pt-BR" dirty="0"/>
           </a:p>
         </p:txBody>
       </p:sp>
@@ -6208,6 +6264,19 @@
           </a:bodyPr>
           <a:lstStyle/>
           <a:p>
+            <a:endParaRPr lang="pt-BR" dirty="0"/>
+          </a:p>
+          <a:p>
+            <a:r>
+              <a:rPr lang="pt-BR" dirty="0"/>
+              <a:t>Define o Esquema;</a:t>
+            </a:r>
+          </a:p>
+          <a:p>
+            <a:endParaRPr lang="pt-BR" dirty="0"/>
+          </a:p>
+          <a:p>
+            <a:pPr lvl="1"/>
             <a:r>
               <a:rPr lang="pt-BR" dirty="0"/>
               <a:t>Especificação da estrutura de armazenamento e definição dos dados (tipos);</a:t>
@@ -6217,6 +6286,7 @@
             <a:endParaRPr lang="pt-BR" dirty="0"/>
           </a:p>
           <a:p>
+            <a:pPr lvl="1"/>
             <a:r>
               <a:rPr lang="pt-BR" dirty="0"/>
               <a:t>Especificação das restrições de consistências;</a:t>
@@ -9990,7 +10060,7 @@
             <a:pPr lvl="1"/>
             <a:r>
               <a:rPr lang="pt-BR" dirty="0"/>
-              <a:t>Conjunto de programas dados;</a:t>
+              <a:t>Conjunto de programas;</a:t>
             </a:r>
           </a:p>
           <a:p>

--- a/Aula01.pptx
+++ b/Aula01.pptx
@@ -291,7 +291,7 @@
             <a:fld id="{4FC57188-328F-409D-ABFB-91E1B6C5CBEE}" type="datetimeFigureOut">
               <a:rPr lang="pt-BR" smtClean="0"/>
               <a:pPr/>
-              <a:t>09/11/2018</a:t>
+              <a:t>24/11/2018</a:t>
             </a:fld>
             <a:endParaRPr lang="pt-BR"/>
           </a:p>
@@ -818,7 +818,7 @@
             <a:fld id="{C1D1DBAD-5489-4EDB-8C36-EEBBA31CE2AB}" type="datetime1">
               <a:rPr lang="pt-BR" smtClean="0"/>
               <a:pPr/>
-              <a:t>09/11/2018</a:t>
+              <a:t>24/11/2018</a:t>
             </a:fld>
             <a:endParaRPr lang="pt-BR"/>
           </a:p>
@@ -985,7 +985,7 @@
             <a:fld id="{0648C560-E8F5-4568-98A8-F600B0D8A4F0}" type="datetime1">
               <a:rPr lang="pt-BR" smtClean="0"/>
               <a:pPr/>
-              <a:t>09/11/2018</a:t>
+              <a:t>24/11/2018</a:t>
             </a:fld>
             <a:endParaRPr lang="pt-BR"/>
           </a:p>
@@ -1162,7 +1162,7 @@
             <a:fld id="{A261A9BA-C3FF-4FA8-B5C7-51100E834B63}" type="datetime1">
               <a:rPr lang="pt-BR" smtClean="0"/>
               <a:pPr/>
-              <a:t>09/11/2018</a:t>
+              <a:t>24/11/2018</a:t>
             </a:fld>
             <a:endParaRPr lang="pt-BR"/>
           </a:p>
@@ -1329,7 +1329,7 @@
             <a:fld id="{20F63199-19BE-4345-8186-3FE6ABEF2D1B}" type="datetime1">
               <a:rPr lang="pt-BR" smtClean="0"/>
               <a:pPr/>
-              <a:t>09/11/2018</a:t>
+              <a:t>24/11/2018</a:t>
             </a:fld>
             <a:endParaRPr lang="pt-BR"/>
           </a:p>
@@ -1573,7 +1573,7 @@
             <a:fld id="{6267C653-65CA-451C-AA6B-70D341279164}" type="datetime1">
               <a:rPr lang="pt-BR" smtClean="0"/>
               <a:pPr/>
-              <a:t>09/11/2018</a:t>
+              <a:t>24/11/2018</a:t>
             </a:fld>
             <a:endParaRPr lang="pt-BR"/>
           </a:p>
@@ -1839,7 +1839,7 @@
             <a:fld id="{9F4FDE23-7AD0-441F-B625-D091A50DCADC}" type="datetime1">
               <a:rPr lang="pt-BR" smtClean="0"/>
               <a:pPr/>
-              <a:t>09/11/2018</a:t>
+              <a:t>24/11/2018</a:t>
             </a:fld>
             <a:endParaRPr lang="pt-BR"/>
           </a:p>
@@ -2219,7 +2219,7 @@
             <a:fld id="{CB13160C-8BAD-40DB-9688-531D9DF7DCD3}" type="datetime1">
               <a:rPr lang="pt-BR" smtClean="0"/>
               <a:pPr/>
-              <a:t>09/11/2018</a:t>
+              <a:t>24/11/2018</a:t>
             </a:fld>
             <a:endParaRPr lang="pt-BR"/>
           </a:p>
@@ -2371,7 +2371,7 @@
             <a:fld id="{26C0299F-E4FE-4103-85D5-56468E3D35D4}" type="datetime1">
               <a:rPr lang="pt-BR" smtClean="0"/>
               <a:pPr/>
-              <a:t>09/11/2018</a:t>
+              <a:t>24/11/2018</a:t>
             </a:fld>
             <a:endParaRPr lang="pt-BR"/>
           </a:p>
@@ -2463,7 +2463,7 @@
             <a:fld id="{655C7A29-7872-454C-8B8E-A38679A91596}" type="datetime1">
               <a:rPr lang="pt-BR" smtClean="0"/>
               <a:pPr/>
-              <a:t>09/11/2018</a:t>
+              <a:t>24/11/2018</a:t>
             </a:fld>
             <a:endParaRPr lang="pt-BR"/>
           </a:p>
@@ -2726,7 +2726,7 @@
             <a:fld id="{776E30D2-4101-44C7-B6AE-43D92E248AD0}" type="datetime1">
               <a:rPr lang="pt-BR" smtClean="0"/>
               <a:pPr/>
-              <a:t>09/11/2018</a:t>
+              <a:t>24/11/2018</a:t>
             </a:fld>
             <a:endParaRPr lang="pt-BR"/>
           </a:p>
@@ -3016,7 +3016,7 @@
             <a:fld id="{A9B7A1D8-8FEA-4761-ADA2-5B7EC3F0A03C}" type="datetime1">
               <a:rPr lang="pt-BR" smtClean="0"/>
               <a:pPr/>
-              <a:t>09/11/2018</a:t>
+              <a:t>24/11/2018</a:t>
             </a:fld>
             <a:endParaRPr lang="pt-BR"/>
           </a:p>
@@ -3789,7 +3789,7 @@
             <a:fld id="{D9F0E698-E276-4BE3-A092-15CA1BEF6177}" type="datetime1">
               <a:rPr lang="pt-BR" smtClean="0"/>
               <a:pPr/>
-              <a:t>09/11/2018</a:t>
+              <a:t>24/11/2018</a:t>
             </a:fld>
             <a:endParaRPr lang="pt-BR"/>
           </a:p>
